--- a/images/user_guide/analysis_discretization.pptx
+++ b/images/user_guide/analysis_discretization.pptx
@@ -197,7 +197,7 @@
           <a:p>
             <a:fld id="{FCCDBB67-EC08-1643-AA97-CC4C6BB8E038}" type="datetimeFigureOut">
               <a:rPr lang="en-US" smtClean="0"/>
-              <a:t>8/3/25</a:t>
+              <a:t>8/4/25</a:t>
             </a:fld>
             <a:endParaRPr lang="en-US"/>
           </a:p>
@@ -695,7 +695,7 @@
           <a:p>
             <a:fld id="{52D0D82B-2C9E-5F48-8F55-34F1553FF576}" type="datetimeFigureOut">
               <a:rPr lang="en-US" smtClean="0"/>
-              <a:t>8/3/25</a:t>
+              <a:t>8/4/25</a:t>
             </a:fld>
             <a:endParaRPr lang="en-US"/>
           </a:p>
@@ -893,7 +893,7 @@
           <a:p>
             <a:fld id="{52D0D82B-2C9E-5F48-8F55-34F1553FF576}" type="datetimeFigureOut">
               <a:rPr lang="en-US" smtClean="0"/>
-              <a:t>8/3/25</a:t>
+              <a:t>8/4/25</a:t>
             </a:fld>
             <a:endParaRPr lang="en-US"/>
           </a:p>
@@ -1101,7 +1101,7 @@
           <a:p>
             <a:fld id="{52D0D82B-2C9E-5F48-8F55-34F1553FF576}" type="datetimeFigureOut">
               <a:rPr lang="en-US" smtClean="0"/>
-              <a:t>8/3/25</a:t>
+              <a:t>8/4/25</a:t>
             </a:fld>
             <a:endParaRPr lang="en-US"/>
           </a:p>
@@ -1299,7 +1299,7 @@
           <a:p>
             <a:fld id="{52D0D82B-2C9E-5F48-8F55-34F1553FF576}" type="datetimeFigureOut">
               <a:rPr lang="en-US" smtClean="0"/>
-              <a:t>8/3/25</a:t>
+              <a:t>8/4/25</a:t>
             </a:fld>
             <a:endParaRPr lang="en-US"/>
           </a:p>
@@ -1574,7 +1574,7 @@
           <a:p>
             <a:fld id="{52D0D82B-2C9E-5F48-8F55-34F1553FF576}" type="datetimeFigureOut">
               <a:rPr lang="en-US" smtClean="0"/>
-              <a:t>8/3/25</a:t>
+              <a:t>8/4/25</a:t>
             </a:fld>
             <a:endParaRPr lang="en-US"/>
           </a:p>
@@ -1839,7 +1839,7 @@
           <a:p>
             <a:fld id="{52D0D82B-2C9E-5F48-8F55-34F1553FF576}" type="datetimeFigureOut">
               <a:rPr lang="en-US" smtClean="0"/>
-              <a:t>8/3/25</a:t>
+              <a:t>8/4/25</a:t>
             </a:fld>
             <a:endParaRPr lang="en-US"/>
           </a:p>
@@ -2251,7 +2251,7 @@
           <a:p>
             <a:fld id="{52D0D82B-2C9E-5F48-8F55-34F1553FF576}" type="datetimeFigureOut">
               <a:rPr lang="en-US" smtClean="0"/>
-              <a:t>8/3/25</a:t>
+              <a:t>8/4/25</a:t>
             </a:fld>
             <a:endParaRPr lang="en-US"/>
           </a:p>
@@ -2392,7 +2392,7 @@
           <a:p>
             <a:fld id="{52D0D82B-2C9E-5F48-8F55-34F1553FF576}" type="datetimeFigureOut">
               <a:rPr lang="en-US" smtClean="0"/>
-              <a:t>8/3/25</a:t>
+              <a:t>8/4/25</a:t>
             </a:fld>
             <a:endParaRPr lang="en-US"/>
           </a:p>
@@ -2505,7 +2505,7 @@
           <a:p>
             <a:fld id="{52D0D82B-2C9E-5F48-8F55-34F1553FF576}" type="datetimeFigureOut">
               <a:rPr lang="en-US" smtClean="0"/>
-              <a:t>8/3/25</a:t>
+              <a:t>8/4/25</a:t>
             </a:fld>
             <a:endParaRPr lang="en-US"/>
           </a:p>
@@ -2816,7 +2816,7 @@
           <a:p>
             <a:fld id="{52D0D82B-2C9E-5F48-8F55-34F1553FF576}" type="datetimeFigureOut">
               <a:rPr lang="en-US" smtClean="0"/>
-              <a:t>8/3/25</a:t>
+              <a:t>8/4/25</a:t>
             </a:fld>
             <a:endParaRPr lang="en-US"/>
           </a:p>
@@ -3104,7 +3104,7 @@
           <a:p>
             <a:fld id="{52D0D82B-2C9E-5F48-8F55-34F1553FF576}" type="datetimeFigureOut">
               <a:rPr lang="en-US" smtClean="0"/>
-              <a:t>8/3/25</a:t>
+              <a:t>8/4/25</a:t>
             </a:fld>
             <a:endParaRPr lang="en-US"/>
           </a:p>
@@ -3345,7 +3345,7 @@
           <a:p>
             <a:fld id="{52D0D82B-2C9E-5F48-8F55-34F1553FF576}" type="datetimeFigureOut">
               <a:rPr lang="en-US" smtClean="0"/>
-              <a:t>8/3/25</a:t>
+              <a:t>8/4/25</a:t>
             </a:fld>
             <a:endParaRPr lang="en-US"/>
           </a:p>
@@ -4289,6 +4289,7 @@
               </a:bodyPr>
               <a:lstStyle/>
               <a:p>
+                <a:pPr/>
                 <a14:m>
                   <m:oMathPara xmlns:m="http://schemas.openxmlformats.org/officeDocument/2006/math">
                     <m:oMathParaPr>
@@ -4326,6 +4327,7 @@
                     </m:oMath>
                   </m:oMathPara>
                 </a14:m>
+                <a:endParaRPr/>
               </a:p>
             </p:txBody>
           </p:sp>
@@ -4356,7 +4358,7 @@
               <a:blipFill>
                 <a:blip r:embed="rId4"/>
                 <a:stretch>
-                  <a:fillRect t="-9375" b="-25000"/>
+                  <a:fillRect/>
                 </a:stretch>
               </a:blipFill>
             </p:spPr>
@@ -4391,7 +4393,7 @@
             </p:nvSpPr>
             <p:spPr>
               <a:xfrm>
-                <a:off x="6120087" y="3112572"/>
+                <a:off x="6120087" y="3024373"/>
                 <a:ext cx="815449" cy="400110"/>
               </a:xfrm>
               <a:prstGeom prst="rect">
@@ -4405,6 +4407,7 @@
               </a:bodyPr>
               <a:lstStyle/>
               <a:p>
+                <a:pPr/>
                 <a14:m>
                   <m:oMathPara xmlns:m="http://schemas.openxmlformats.org/officeDocument/2006/math">
                     <m:oMathParaPr>
@@ -4449,6 +4452,7 @@
                     </m:oMath>
                   </m:oMathPara>
                 </a14:m>
+                <a:endParaRPr dirty="0"/>
               </a:p>
             </p:txBody>
           </p:sp>
@@ -4470,7 +4474,7 @@
             </p:nvSpPr>
             <p:spPr>
               <a:xfrm>
-                <a:off x="6120087" y="3112572"/>
+                <a:off x="6120087" y="3024373"/>
                 <a:ext cx="815449" cy="400110"/>
               </a:xfrm>
               <a:prstGeom prst="rect">
@@ -4479,7 +4483,7 @@
               <a:blipFill>
                 <a:blip r:embed="rId5"/>
                 <a:stretch>
-                  <a:fillRect t="-9375" r="-4545" b="-28125"/>
+                  <a:fillRect b="-3125"/>
                 </a:stretch>
               </a:blipFill>
             </p:spPr>
@@ -4514,7 +4518,7 @@
             </p:nvSpPr>
             <p:spPr>
               <a:xfrm>
-                <a:off x="4965522" y="3123179"/>
+                <a:off x="4965522" y="3024373"/>
                 <a:ext cx="815449" cy="400110"/>
               </a:xfrm>
               <a:prstGeom prst="rect">
@@ -4528,6 +4532,7 @@
               </a:bodyPr>
               <a:lstStyle/>
               <a:p>
+                <a:pPr/>
                 <a14:m>
                   <m:oMathPara xmlns:m="http://schemas.openxmlformats.org/officeDocument/2006/math">
                     <m:oMathParaPr>
@@ -4572,6 +4577,7 @@
                     </m:oMath>
                   </m:oMathPara>
                 </a14:m>
+                <a:endParaRPr dirty="0"/>
               </a:p>
             </p:txBody>
           </p:sp>
@@ -4593,7 +4599,7 @@
             </p:nvSpPr>
             <p:spPr>
               <a:xfrm>
-                <a:off x="4965522" y="3123179"/>
+                <a:off x="4965522" y="3024373"/>
                 <a:ext cx="815449" cy="400110"/>
               </a:xfrm>
               <a:prstGeom prst="rect">
@@ -4602,7 +4608,7 @@
               <a:blipFill>
                 <a:blip r:embed="rId6"/>
                 <a:stretch>
-                  <a:fillRect t="-6061" r="-4615" b="-24242"/>
+                  <a:fillRect b="-3125"/>
                 </a:stretch>
               </a:blipFill>
             </p:spPr>
@@ -4621,8 +4627,8 @@
           </p:sp>
         </mc:Fallback>
       </mc:AlternateContent>
-      <mc:AlternateContent xmlns:mc="http://schemas.openxmlformats.org/markup-compatibility/2006">
-        <mc:Choice xmlns:a14="http://schemas.microsoft.com/office/drawing/2010/main" Requires="a14">
+      <mc:AlternateContent xmlns:mc="http://schemas.openxmlformats.org/markup-compatibility/2006" xmlns:a14="http://schemas.microsoft.com/office/drawing/2010/main">
+        <mc:Choice Requires="a14">
           <p:sp>
             <p:nvSpPr>
               <p:cNvPr id="10" name="TextBox 9">
@@ -4651,6 +4657,7 @@
               </a:bodyPr>
               <a:lstStyle/>
               <a:p>
+                <a:pPr/>
                 <a14:m>
                   <m:oMathPara xmlns:m="http://schemas.openxmlformats.org/officeDocument/2006/math">
                     <m:oMathParaPr>
@@ -4677,11 +4684,12 @@
                     </m:oMath>
                   </m:oMathPara>
                 </a14:m>
+                <a:endParaRPr/>
               </a:p>
             </p:txBody>
           </p:sp>
         </mc:Choice>
-        <mc:Fallback>
+        <mc:Fallback xmlns="">
           <p:sp>
             <p:nvSpPr>
               <p:cNvPr id="10" name="TextBox 9">
@@ -4796,6 +4804,7 @@
               </a:bodyPr>
               <a:lstStyle/>
               <a:p>
+                <a:pPr/>
                 <a14:m>
                   <m:oMathPara xmlns:m="http://schemas.openxmlformats.org/officeDocument/2006/math">
                     <m:oMathParaPr>
@@ -4941,6 +4950,13 @@
                         </m:num>
                         <m:den>
                           <m:r>
+                            <a:rPr lang="en-US" sz="2000" b="0" i="0" dirty="0" smtClean="0">
+                              <a:latin typeface="Cambria Math" panose="02040503050406030204" pitchFamily="18" charset="0"/>
+                              <a:cs typeface="Times New Roman" panose="02020603050405020304" pitchFamily="18" charset="0"/>
+                            </a:rPr>
+                            <m:t>2</m:t>
+                          </m:r>
+                          <m:r>
                             <m:rPr>
                               <m:sty m:val="p"/>
                             </m:rPr>
@@ -4962,6 +4978,7 @@
                     </m:oMath>
                   </m:oMathPara>
                 </a14:m>
+                <a:endParaRPr dirty="0"/>
               </a:p>
             </p:txBody>
           </p:sp>
@@ -4992,7 +5009,7 @@
               <a:blipFill>
                 <a:blip r:embed="rId8"/>
                 <a:stretch>
-                  <a:fillRect r="-2941" b="-5556"/>
+                  <a:fillRect b="-5556"/>
                 </a:stretch>
               </a:blipFill>
             </p:spPr>
@@ -5052,6 +5069,150 @@
           </a:fontRef>
         </p:style>
       </p:cxnSp>
+      <p:sp>
+        <p:nvSpPr>
+          <p:cNvPr id="6" name="Oval 5">
+            <a:extLst>
+              <a:ext uri="{FF2B5EF4-FFF2-40B4-BE49-F238E27FC236}">
+                <a16:creationId xmlns:a16="http://schemas.microsoft.com/office/drawing/2014/main" id="{B9D6A3CC-58CC-460B-583B-EF4F0E95FB6E}"/>
+              </a:ext>
+            </a:extLst>
+          </p:cNvPr>
+          <p:cNvSpPr>
+            <a:spLocks noChangeAspect="1"/>
+          </p:cNvSpPr>
+          <p:nvPr/>
+        </p:nvSpPr>
+        <p:spPr>
+          <a:xfrm>
+            <a:off x="5896134" y="3378316"/>
+            <a:ext cx="73152" cy="73152"/>
+          </a:xfrm>
+          <a:prstGeom prst="ellipse">
+            <a:avLst/>
+          </a:prstGeom>
+        </p:spPr>
+        <p:style>
+          <a:lnRef idx="2">
+            <a:schemeClr val="dk1">
+              <a:shade val="15000"/>
+            </a:schemeClr>
+          </a:lnRef>
+          <a:fillRef idx="1">
+            <a:schemeClr val="dk1"/>
+          </a:fillRef>
+          <a:effectRef idx="0">
+            <a:schemeClr val="dk1"/>
+          </a:effectRef>
+          <a:fontRef idx="minor">
+            <a:schemeClr val="lt1"/>
+          </a:fontRef>
+        </p:style>
+        <p:txBody>
+          <a:bodyPr rtlCol="0" anchor="ctr"/>
+          <a:lstStyle/>
+          <a:p>
+            <a:pPr algn="ctr"/>
+            <a:endParaRPr lang="en-US"/>
+          </a:p>
+        </p:txBody>
+      </p:sp>
+      <p:sp>
+        <p:nvSpPr>
+          <p:cNvPr id="11" name="Oval 10">
+            <a:extLst>
+              <a:ext uri="{FF2B5EF4-FFF2-40B4-BE49-F238E27FC236}">
+                <a16:creationId xmlns:a16="http://schemas.microsoft.com/office/drawing/2014/main" id="{6954A619-BE24-5A31-55A5-203A31B6DE9F}"/>
+              </a:ext>
+            </a:extLst>
+          </p:cNvPr>
+          <p:cNvSpPr>
+            <a:spLocks noChangeAspect="1"/>
+          </p:cNvSpPr>
+          <p:nvPr/>
+        </p:nvSpPr>
+        <p:spPr>
+          <a:xfrm>
+            <a:off x="5318661" y="3396772"/>
+            <a:ext cx="73152" cy="73152"/>
+          </a:xfrm>
+          <a:prstGeom prst="ellipse">
+            <a:avLst/>
+          </a:prstGeom>
+        </p:spPr>
+        <p:style>
+          <a:lnRef idx="2">
+            <a:schemeClr val="dk1">
+              <a:shade val="15000"/>
+            </a:schemeClr>
+          </a:lnRef>
+          <a:fillRef idx="1">
+            <a:schemeClr val="dk1"/>
+          </a:fillRef>
+          <a:effectRef idx="0">
+            <a:schemeClr val="dk1"/>
+          </a:effectRef>
+          <a:fontRef idx="minor">
+            <a:schemeClr val="lt1"/>
+          </a:fontRef>
+        </p:style>
+        <p:txBody>
+          <a:bodyPr rtlCol="0" anchor="ctr"/>
+          <a:lstStyle/>
+          <a:p>
+            <a:pPr algn="ctr"/>
+            <a:endParaRPr lang="en-US"/>
+          </a:p>
+        </p:txBody>
+      </p:sp>
+      <p:sp>
+        <p:nvSpPr>
+          <p:cNvPr id="15" name="Oval 14">
+            <a:extLst>
+              <a:ext uri="{FF2B5EF4-FFF2-40B4-BE49-F238E27FC236}">
+                <a16:creationId xmlns:a16="http://schemas.microsoft.com/office/drawing/2014/main" id="{CD8BDD06-7686-2A85-AA09-9C92BB7C9BA1}"/>
+              </a:ext>
+            </a:extLst>
+          </p:cNvPr>
+          <p:cNvSpPr>
+            <a:spLocks noChangeAspect="1"/>
+          </p:cNvSpPr>
+          <p:nvPr/>
+        </p:nvSpPr>
+        <p:spPr>
+          <a:xfrm>
+            <a:off x="6469902" y="3387907"/>
+            <a:ext cx="73152" cy="73152"/>
+          </a:xfrm>
+          <a:prstGeom prst="ellipse">
+            <a:avLst/>
+          </a:prstGeom>
+        </p:spPr>
+        <p:style>
+          <a:lnRef idx="2">
+            <a:schemeClr val="dk1">
+              <a:shade val="15000"/>
+            </a:schemeClr>
+          </a:lnRef>
+          <a:fillRef idx="1">
+            <a:schemeClr val="dk1"/>
+          </a:fillRef>
+          <a:effectRef idx="0">
+            <a:schemeClr val="dk1"/>
+          </a:effectRef>
+          <a:fontRef idx="minor">
+            <a:schemeClr val="lt1"/>
+          </a:fontRef>
+        </p:style>
+        <p:txBody>
+          <a:bodyPr rtlCol="0" anchor="ctr"/>
+          <a:lstStyle/>
+          <a:p>
+            <a:pPr algn="ctr"/>
+            <a:endParaRPr lang="en-US"/>
+          </a:p>
+        </p:txBody>
+      </p:sp>
     </p:spTree>
     <p:extLst>
       <p:ext uri="{BB962C8B-B14F-4D97-AF65-F5344CB8AC3E}">
